--- a/trunk/PRESENTACION03-P2/PARCIAL/PPT PI2 PARCIAL.pptx
+++ b/trunk/PRESENTACION03-P2/PARCIAL/PPT PI2 PARCIAL.pptx
@@ -15884,7 +15884,9 @@
           </a:xfrm>
         </p:spPr>
         <p:txBody>
-          <a:bodyPr/>
+          <a:bodyPr>
+            <a:normAutofit fontScale="90000"/>
+          </a:bodyPr>
           <a:lstStyle/>
           <a:p>
             <a:pPr eaLnBrk="1" hangingPunct="1"/>
@@ -15969,7 +15971,7 @@
           <p:nvPr/>
         </p:nvPicPr>
         <p:blipFill>
-          <a:blip r:embed="rId2"/>
+          <a:blip r:embed="rId2" cstate="print"/>
           <a:srcRect/>
           <a:stretch>
             <a:fillRect/>
@@ -16001,7 +16003,7 @@
           <p:nvPr/>
         </p:nvPicPr>
         <p:blipFill>
-          <a:blip r:embed="rId3"/>
+          <a:blip r:embed="rId3" cstate="print"/>
           <a:srcRect/>
           <a:stretch>
             <a:fillRect/>
@@ -16033,7 +16035,7 @@
           <p:nvPr/>
         </p:nvPicPr>
         <p:blipFill>
-          <a:blip r:embed="rId4"/>
+          <a:blip r:embed="rId4" cstate="print"/>
           <a:srcRect/>
           <a:stretch>
             <a:fillRect/>
@@ -16065,7 +16067,7 @@
           <p:nvPr/>
         </p:nvPicPr>
         <p:blipFill>
-          <a:blip r:embed="rId5"/>
+          <a:blip r:embed="rId5" cstate="print"/>
           <a:srcRect/>
           <a:stretch>
             <a:fillRect/>
@@ -16166,7 +16168,7 @@
           <p:nvPr/>
         </p:nvPicPr>
         <p:blipFill>
-          <a:blip r:embed="rId2"/>
+          <a:blip r:embed="rId2" cstate="print"/>
           <a:srcRect/>
           <a:stretch>
             <a:fillRect/>
@@ -16199,7 +16201,7 @@
         </p:nvGraphicFramePr>
         <p:xfrm>
           <a:off x="323850" y="1700213"/>
-          <a:ext cx="8642350" cy="4286250"/>
+          <a:ext cx="8642350" cy="3991928"/>
         </p:xfrm>
         <a:graphic>
           <a:graphicData uri="http://schemas.openxmlformats.org/drawingml/2006/table">
@@ -16215,7 +16217,7 @@
                     <a:bodyPr/>
                     <a:lstStyle/>
                     <a:p>
-                      <a:pPr marL="381000" marR="0" lvl="0" indent="-381000" algn="l" defTabSz="914400" rtl="0" eaLnBrk="1" fontAlgn="base" latinLnBrk="0" hangingPunct="1">
+                      <a:pPr marL="0" marR="0" lvl="0" indent="0" algn="l" defTabSz="914400" rtl="0" eaLnBrk="1" fontAlgn="base" latinLnBrk="0" hangingPunct="1">
                         <a:lnSpc>
                           <a:spcPct val="100000"/>
                         </a:lnSpc>
@@ -16232,7 +16234,7 @@
                         <a:tabLst/>
                       </a:pPr>
                       <a:r>
-                        <a:rPr kumimoji="0" lang="es-ES" altLang="zh-CN" sz="1200" b="0" i="0" u="none" strike="noStrike" cap="none" normalizeH="0" baseline="0" smtClean="0">
+                        <a:rPr kumimoji="0" lang="es-ES" altLang="zh-CN" sz="1200" b="0" i="0" u="none" strike="noStrike" cap="none" normalizeH="0" baseline="0" dirty="0" smtClean="0">
                           <a:ln>
                             <a:noFill/>
                           </a:ln>
@@ -16246,7 +16248,7 @@
                         <a:t>RNF_035_ Protocolo TCP/IP</a:t>
                       </a:r>
                       <a:br>
-                        <a:rPr kumimoji="0" lang="es-ES" altLang="zh-CN" sz="1200" b="0" i="0" u="none" strike="noStrike" cap="none" normalizeH="0" baseline="0" smtClean="0">
+                        <a:rPr kumimoji="0" lang="es-ES" altLang="zh-CN" sz="1200" b="0" i="0" u="none" strike="noStrike" cap="none" normalizeH="0" baseline="0" dirty="0" smtClean="0">
                           <a:ln>
                             <a:noFill/>
                           </a:ln>
@@ -16259,7 +16261,7 @@
                         </a:rPr>
                       </a:br>
                       <a:r>
-                        <a:rPr kumimoji="0" lang="es-ES" altLang="zh-CN" sz="1200" b="1" i="0" u="none" strike="noStrike" cap="none" normalizeH="0" baseline="0" smtClean="0">
+                        <a:rPr kumimoji="0" lang="es-ES" altLang="zh-CN" sz="1200" b="1" i="0" u="none" strike="noStrike" cap="none" normalizeH="0" baseline="0" dirty="0" smtClean="0">
                           <a:ln>
                             <a:noFill/>
                           </a:ln>
@@ -16290,7 +16292,7 @@
                         <a:buNone/>
                         <a:tabLst/>
                       </a:pPr>
-                      <a:endParaRPr kumimoji="0" lang="es-ES" sz="1200" b="1" i="0" u="none" strike="noStrike" cap="none" normalizeH="0" baseline="0" smtClean="0">
+                      <a:endParaRPr kumimoji="0" lang="es-ES" sz="1200" b="1" i="0" u="none" strike="noStrike" cap="none" normalizeH="0" baseline="0" dirty="0" smtClean="0">
                         <a:ln>
                           <a:noFill/>
                         </a:ln>
@@ -16456,7 +16458,7 @@
                     <a:bodyPr/>
                     <a:lstStyle/>
                     <a:p>
-                      <a:pPr marL="838200" marR="0" lvl="1" indent="-381000" algn="l" defTabSz="914400" rtl="0" eaLnBrk="1" fontAlgn="base" latinLnBrk="0" hangingPunct="1">
+                      <a:pPr marL="0" marR="0" lvl="1" indent="0" algn="l" defTabSz="914400" rtl="0" eaLnBrk="1" fontAlgn="base" latinLnBrk="0" hangingPunct="1">
                         <a:lnSpc>
                           <a:spcPct val="100000"/>
                         </a:lnSpc>
@@ -16473,7 +16475,7 @@
                         <a:tabLst/>
                       </a:pPr>
                       <a:r>
-                        <a:rPr kumimoji="0" lang="es-ES" altLang="zh-CN" sz="1200" b="0" i="0" u="none" strike="noStrike" cap="none" normalizeH="0" baseline="0" smtClean="0">
+                        <a:rPr kumimoji="0" lang="es-ES" altLang="zh-CN" sz="1200" b="0" i="0" u="none" strike="noStrike" cap="none" normalizeH="0" baseline="0" dirty="0" smtClean="0">
                           <a:ln>
                             <a:noFill/>
                           </a:ln>
@@ -16487,7 +16489,7 @@
                         <a:t>RNF_040_Licencia_Open_source</a:t>
                       </a:r>
                       <a:br>
-                        <a:rPr kumimoji="0" lang="es-ES" altLang="zh-CN" sz="1200" b="0" i="0" u="none" strike="noStrike" cap="none" normalizeH="0" baseline="0" smtClean="0">
+                        <a:rPr kumimoji="0" lang="es-ES" altLang="zh-CN" sz="1200" b="0" i="0" u="none" strike="noStrike" cap="none" normalizeH="0" baseline="0" dirty="0" smtClean="0">
                           <a:ln>
                             <a:noFill/>
                           </a:ln>
@@ -16500,7 +16502,7 @@
                         </a:rPr>
                       </a:br>
                       <a:r>
-                        <a:rPr kumimoji="0" lang="es-ES" altLang="zh-CN" sz="1200" b="1" i="0" u="none" strike="noStrike" cap="none" normalizeH="0" baseline="0" smtClean="0">
+                        <a:rPr kumimoji="0" lang="es-ES" altLang="zh-CN" sz="1200" b="1" i="0" u="none" strike="noStrike" cap="none" normalizeH="0" baseline="0" dirty="0" smtClean="0">
                           <a:ln>
                             <a:noFill/>
                           </a:ln>
@@ -16531,7 +16533,7 @@
                         <a:buNone/>
                         <a:tabLst/>
                       </a:pPr>
-                      <a:endParaRPr kumimoji="0" lang="es-ES" sz="1200" b="1" i="0" u="none" strike="noStrike" cap="none" normalizeH="0" baseline="0" smtClean="0">
+                      <a:endParaRPr kumimoji="0" lang="es-ES" sz="1200" b="1" i="0" u="none" strike="noStrike" cap="none" normalizeH="0" baseline="0" dirty="0" smtClean="0">
                         <a:ln>
                           <a:noFill/>
                         </a:ln>
@@ -16594,7 +16596,7 @@
                     <a:bodyPr/>
                     <a:lstStyle/>
                     <a:p>
-                      <a:pPr marL="742950" marR="0" lvl="1" indent="-285750" algn="l" defTabSz="914400" rtl="0" eaLnBrk="1" fontAlgn="base" latinLnBrk="0" hangingPunct="1">
+                      <a:pPr marL="82550" marR="0" lvl="1" indent="-82550" algn="l" defTabSz="914400" rtl="0" eaLnBrk="1" fontAlgn="base" latinLnBrk="0" hangingPunct="1">
                         <a:lnSpc>
                           <a:spcPct val="100000"/>
                         </a:lnSpc>
@@ -16611,7 +16613,7 @@
                         <a:tabLst/>
                       </a:pPr>
                       <a:r>
-                        <a:rPr kumimoji="0" lang="es-ES" altLang="zh-CN" sz="1200" b="0" i="0" u="none" strike="noStrike" cap="none" normalizeH="0" baseline="0" smtClean="0">
+                        <a:rPr kumimoji="0" lang="es-ES" altLang="zh-CN" sz="1200" b="0" i="0" u="none" strike="noStrike" cap="none" normalizeH="0" baseline="0" dirty="0" smtClean="0">
                           <a:ln>
                             <a:noFill/>
                           </a:ln>
@@ -16622,9 +16624,37 @@
                           <a:latin typeface="Times New Roman" pitchFamily="18" charset="0"/>
                           <a:ea typeface="宋体" charset="-122"/>
                         </a:rPr>
-                        <a:t>Licencia GNU ya que se trabaja con Herramientas Open source de acuerdo a la Política en desarrollo de software establecida en las entidades públicas.</a:t>
+                        <a:t>Licencia GNU ya que se trabaja con Herramientas Open </a:t>
                       </a:r>
-                      <a:endParaRPr kumimoji="0" lang="es-ES" sz="1200" b="0" i="0" u="none" strike="noStrike" cap="none" normalizeH="0" baseline="0" smtClean="0">
+                      <a:r>
+                        <a:rPr kumimoji="0" lang="es-ES" altLang="zh-CN" sz="1200" b="0" i="0" u="none" strike="noStrike" cap="none" normalizeH="0" baseline="0" dirty="0" err="1" smtClean="0">
+                          <a:ln>
+                            <a:noFill/>
+                          </a:ln>
+                          <a:solidFill>
+                            <a:schemeClr val="tx2"/>
+                          </a:solidFill>
+                          <a:effectLst/>
+                          <a:latin typeface="Times New Roman" pitchFamily="18" charset="0"/>
+                          <a:ea typeface="宋体" charset="-122"/>
+                        </a:rPr>
+                        <a:t>source</a:t>
+                      </a:r>
+                      <a:r>
+                        <a:rPr kumimoji="0" lang="es-ES" altLang="zh-CN" sz="1200" b="0" i="0" u="none" strike="noStrike" cap="none" normalizeH="0" baseline="0" dirty="0" smtClean="0">
+                          <a:ln>
+                            <a:noFill/>
+                          </a:ln>
+                          <a:solidFill>
+                            <a:schemeClr val="tx2"/>
+                          </a:solidFill>
+                          <a:effectLst/>
+                          <a:latin typeface="Times New Roman" pitchFamily="18" charset="0"/>
+                          <a:ea typeface="宋体" charset="-122"/>
+                        </a:rPr>
+                        <a:t> de acuerdo a la Política en desarrollo de software establecida en las entidades públicas.</a:t>
+                      </a:r>
+                      <a:endParaRPr kumimoji="0" lang="es-ES" sz="1200" b="0" i="0" u="none" strike="noStrike" cap="none" normalizeH="0" baseline="0" dirty="0" smtClean="0">
                         <a:ln>
                           <a:noFill/>
                         </a:ln>
@@ -16689,7 +16719,7 @@
                     <a:bodyPr/>
                     <a:lstStyle/>
                     <a:p>
-                      <a:pPr marL="381000" marR="0" lvl="0" indent="-381000" algn="l" defTabSz="914400" rtl="0" eaLnBrk="1" fontAlgn="base" latinLnBrk="0" hangingPunct="1">
+                      <a:pPr marL="0" marR="0" lvl="0" indent="0" algn="l" defTabSz="914400" rtl="0" eaLnBrk="1" fontAlgn="base" latinLnBrk="0" hangingPunct="1">
                         <a:lnSpc>
                           <a:spcPct val="100000"/>
                         </a:lnSpc>
@@ -16706,7 +16736,7 @@
                         <a:tabLst/>
                       </a:pPr>
                       <a:r>
-                        <a:rPr kumimoji="0" lang="es-ES" altLang="zh-CN" sz="1200" b="0" i="0" u="none" strike="noStrike" cap="none" normalizeH="0" baseline="0" smtClean="0">
+                        <a:rPr kumimoji="0" lang="es-ES" altLang="zh-CN" sz="1200" b="0" i="0" u="none" strike="noStrike" cap="none" normalizeH="0" baseline="0" dirty="0" smtClean="0">
                           <a:ln>
                             <a:noFill/>
                           </a:ln>
@@ -16720,7 +16750,7 @@
                         <a:t>RNF_042_Estándares_de_programación_y_diseño_técnico</a:t>
                       </a:r>
                       <a:br>
-                        <a:rPr kumimoji="0" lang="es-ES" altLang="zh-CN" sz="1200" b="0" i="0" u="none" strike="noStrike" cap="none" normalizeH="0" baseline="0" smtClean="0">
+                        <a:rPr kumimoji="0" lang="es-ES" altLang="zh-CN" sz="1200" b="0" i="0" u="none" strike="noStrike" cap="none" normalizeH="0" baseline="0" dirty="0" smtClean="0">
                           <a:ln>
                             <a:noFill/>
                           </a:ln>
@@ -16733,7 +16763,7 @@
                         </a:rPr>
                       </a:br>
                       <a:r>
-                        <a:rPr kumimoji="0" lang="es-ES" altLang="zh-CN" sz="1200" b="1" i="0" u="none" strike="noStrike" cap="none" normalizeH="0" baseline="0" smtClean="0">
+                        <a:rPr kumimoji="0" lang="es-ES" altLang="zh-CN" sz="1200" b="1" i="0" u="none" strike="noStrike" cap="none" normalizeH="0" baseline="0" dirty="0" smtClean="0">
                           <a:ln>
                             <a:noFill/>
                           </a:ln>
@@ -16764,7 +16794,7 @@
                         <a:buNone/>
                         <a:tabLst/>
                       </a:pPr>
-                      <a:endParaRPr kumimoji="0" lang="es-ES" sz="1200" b="0" i="0" u="none" strike="noStrike" cap="none" normalizeH="0" baseline="0" smtClean="0">
+                      <a:endParaRPr kumimoji="0" lang="es-ES" sz="1200" b="0" i="0" u="none" strike="noStrike" cap="none" normalizeH="0" baseline="0" dirty="0" smtClean="0">
                         <a:ln>
                           <a:noFill/>
                         </a:ln>
@@ -16930,7 +16960,7 @@
                     <a:bodyPr/>
                     <a:lstStyle/>
                     <a:p>
-                      <a:pPr marL="381000" marR="0" lvl="0" indent="-381000" algn="l" defTabSz="914400" rtl="0" eaLnBrk="1" fontAlgn="base" latinLnBrk="0" hangingPunct="1">
+                      <a:pPr marL="0" marR="0" lvl="0" indent="0" algn="l" defTabSz="914400" rtl="0" eaLnBrk="1" fontAlgn="base" latinLnBrk="0" hangingPunct="1">
                         <a:lnSpc>
                           <a:spcPct val="100000"/>
                         </a:lnSpc>
@@ -16947,7 +16977,7 @@
                         <a:tabLst/>
                       </a:pPr>
                       <a:r>
-                        <a:rPr kumimoji="0" lang="es-ES" altLang="zh-CN" sz="1200" b="0" i="0" u="none" strike="noStrike" cap="none" normalizeH="0" baseline="0" smtClean="0">
+                        <a:rPr kumimoji="0" lang="es-ES" altLang="zh-CN" sz="1200" b="0" i="0" u="none" strike="noStrike" cap="none" normalizeH="0" baseline="0" dirty="0" smtClean="0">
                           <a:ln>
                             <a:noFill/>
                           </a:ln>
@@ -16961,7 +16991,7 @@
                         <a:t>RNF_043_Garantizar_confiabilidad_datos_procesados</a:t>
                       </a:r>
                       <a:br>
-                        <a:rPr kumimoji="0" lang="es-ES" altLang="zh-CN" sz="1200" b="0" i="0" u="none" strike="noStrike" cap="none" normalizeH="0" baseline="0" smtClean="0">
+                        <a:rPr kumimoji="0" lang="es-ES" altLang="zh-CN" sz="1200" b="0" i="0" u="none" strike="noStrike" cap="none" normalizeH="0" baseline="0" dirty="0" smtClean="0">
                           <a:ln>
                             <a:noFill/>
                           </a:ln>
@@ -16974,7 +17004,7 @@
                         </a:rPr>
                       </a:br>
                       <a:r>
-                        <a:rPr kumimoji="0" lang="es-ES" altLang="zh-CN" sz="1200" b="1" i="0" u="none" strike="noStrike" cap="none" normalizeH="0" baseline="0" smtClean="0">
+                        <a:rPr kumimoji="0" lang="es-ES" altLang="zh-CN" sz="1200" b="1" i="0" u="none" strike="noStrike" cap="none" normalizeH="0" baseline="0" dirty="0" smtClean="0">
                           <a:ln>
                             <a:noFill/>
                           </a:ln>
@@ -17005,7 +17035,7 @@
                         <a:buNone/>
                         <a:tabLst/>
                       </a:pPr>
-                      <a:endParaRPr kumimoji="0" lang="es-ES" sz="1200" b="1" i="0" u="none" strike="noStrike" cap="none" normalizeH="0" baseline="0" smtClean="0">
+                      <a:endParaRPr kumimoji="0" lang="es-ES" sz="1200" b="1" i="0" u="none" strike="noStrike" cap="none" normalizeH="0" baseline="0" dirty="0" smtClean="0">
                         <a:ln>
                           <a:noFill/>
                         </a:ln>
@@ -17163,7 +17193,7 @@
                     <a:bodyPr/>
                     <a:lstStyle/>
                     <a:p>
-                      <a:pPr marL="381000" marR="0" lvl="0" indent="-381000" algn="l" defTabSz="914400" rtl="0" eaLnBrk="1" fontAlgn="base" latinLnBrk="0" hangingPunct="1">
+                      <a:pPr marL="0" marR="0" lvl="0" indent="0" algn="l" defTabSz="914400" rtl="0" eaLnBrk="1" fontAlgn="base" latinLnBrk="0" hangingPunct="1">
                         <a:lnSpc>
                           <a:spcPct val="100000"/>
                         </a:lnSpc>
@@ -17180,7 +17210,7 @@
                         <a:tabLst/>
                       </a:pPr>
                       <a:r>
-                        <a:rPr kumimoji="0" lang="es-ES" altLang="zh-CN" sz="1200" b="0" i="0" u="none" strike="noStrike" cap="none" normalizeH="0" baseline="0" smtClean="0">
+                        <a:rPr kumimoji="0" lang="es-ES" altLang="zh-CN" sz="1200" b="0" i="0" u="none" strike="noStrike" cap="none" normalizeH="0" baseline="0" dirty="0" smtClean="0">
                           <a:ln>
                             <a:noFill/>
                           </a:ln>
@@ -17194,7 +17224,7 @@
                         <a:t>RNF_044_Gestión_backups</a:t>
                       </a:r>
                       <a:br>
-                        <a:rPr kumimoji="0" lang="es-ES" altLang="zh-CN" sz="1200" b="0" i="0" u="none" strike="noStrike" cap="none" normalizeH="0" baseline="0" smtClean="0">
+                        <a:rPr kumimoji="0" lang="es-ES" altLang="zh-CN" sz="1200" b="0" i="0" u="none" strike="noStrike" cap="none" normalizeH="0" baseline="0" dirty="0" smtClean="0">
                           <a:ln>
                             <a:noFill/>
                           </a:ln>
@@ -17207,7 +17237,7 @@
                         </a:rPr>
                       </a:br>
                       <a:r>
-                        <a:rPr kumimoji="0" lang="es-ES" altLang="zh-CN" sz="1200" b="1" i="0" u="none" strike="noStrike" cap="none" normalizeH="0" baseline="0" smtClean="0">
+                        <a:rPr kumimoji="0" lang="es-ES" altLang="zh-CN" sz="1200" b="1" i="0" u="none" strike="noStrike" cap="none" normalizeH="0" baseline="0" dirty="0" smtClean="0">
                           <a:ln>
                             <a:noFill/>
                           </a:ln>
@@ -17238,7 +17268,7 @@
                         <a:buNone/>
                         <a:tabLst/>
                       </a:pPr>
-                      <a:endParaRPr kumimoji="0" lang="es-ES" altLang="zh-CN" sz="1200" b="0" i="0" u="none" strike="noStrike" cap="none" normalizeH="0" baseline="0" smtClean="0">
+                      <a:endParaRPr kumimoji="0" lang="es-ES" altLang="zh-CN" sz="1200" b="0" i="0" u="none" strike="noStrike" cap="none" normalizeH="0" baseline="0" dirty="0" smtClean="0">
                         <a:ln>
                           <a:noFill/>
                         </a:ln>
@@ -17267,7 +17297,7 @@
                         <a:buNone/>
                         <a:tabLst/>
                       </a:pPr>
-                      <a:endParaRPr kumimoji="0" lang="es-ES" sz="1200" b="0" i="0" u="none" strike="noStrike" cap="none" normalizeH="0" baseline="0" smtClean="0">
+                      <a:endParaRPr kumimoji="0" lang="es-ES" sz="1200" b="0" i="0" u="none" strike="noStrike" cap="none" normalizeH="0" baseline="0" dirty="0" smtClean="0">
                         <a:ln>
                           <a:noFill/>
                         </a:ln>
@@ -17509,7 +17539,7 @@
           <p:nvPr/>
         </p:nvPicPr>
         <p:blipFill>
-          <a:blip r:embed="rId2"/>
+          <a:blip r:embed="rId2" cstate="print"/>
           <a:srcRect/>
           <a:stretch>
             <a:fillRect/>
@@ -17541,16 +17571,16 @@
           <p:nvPr/>
         </p:nvPicPr>
         <p:blipFill>
-          <a:blip r:embed="rId3"/>
-          <a:srcRect/>
+          <a:blip r:embed="rId3" cstate="print"/>
+          <a:srcRect l="867"/>
           <a:stretch>
             <a:fillRect/>
           </a:stretch>
         </p:blipFill>
         <p:spPr bwMode="auto">
           <a:xfrm>
-            <a:off x="323850" y="2565400"/>
-            <a:ext cx="8269288" cy="2376488"/>
+            <a:off x="395536" y="2565400"/>
+            <a:ext cx="8197602" cy="2376488"/>
           </a:xfrm>
           <a:prstGeom prst="rect">
             <a:avLst/>
@@ -17642,7 +17672,7 @@
           <p:nvPr/>
         </p:nvPicPr>
         <p:blipFill>
-          <a:blip r:embed="rId2"/>
+          <a:blip r:embed="rId2" cstate="print"/>
           <a:srcRect/>
           <a:stretch>
             <a:fillRect/>
@@ -17674,7 +17704,7 @@
           <p:nvPr/>
         </p:nvPicPr>
         <p:blipFill>
-          <a:blip r:embed="rId3"/>
+          <a:blip r:embed="rId3" cstate="print"/>
           <a:srcRect/>
           <a:stretch>
             <a:fillRect/>
@@ -17775,7 +17805,7 @@
           <p:nvPr/>
         </p:nvPicPr>
         <p:blipFill>
-          <a:blip r:embed="rId2"/>
+          <a:blip r:embed="rId2" cstate="print"/>
           <a:srcRect/>
           <a:stretch>
             <a:fillRect/>
@@ -17876,7 +17906,7 @@
           <p:nvPr/>
         </p:nvPicPr>
         <p:blipFill>
-          <a:blip r:embed="rId2"/>
+          <a:blip r:embed="rId2" cstate="print"/>
           <a:srcRect/>
           <a:stretch>
             <a:fillRect/>
@@ -17908,7 +17938,7 @@
           <p:nvPr/>
         </p:nvPicPr>
         <p:blipFill>
-          <a:blip r:embed="rId3"/>
+          <a:blip r:embed="rId3" cstate="print"/>
           <a:srcRect/>
           <a:stretch>
             <a:fillRect/>
@@ -17916,7 +17946,7 @@
         </p:blipFill>
         <p:spPr bwMode="auto">
           <a:xfrm>
-            <a:off x="2268538" y="1700213"/>
+            <a:off x="1907704" y="1700213"/>
             <a:ext cx="5126037" cy="4419600"/>
           </a:xfrm>
           <a:prstGeom prst="rect">
@@ -18009,7 +18039,7 @@
           <p:nvPr/>
         </p:nvPicPr>
         <p:blipFill>
-          <a:blip r:embed="rId2"/>
+          <a:blip r:embed="rId2" cstate="print"/>
           <a:srcRect/>
           <a:stretch>
             <a:fillRect/>
@@ -18041,7 +18071,7 @@
           <p:nvPr/>
         </p:nvPicPr>
         <p:blipFill>
-          <a:blip r:embed="rId3"/>
+          <a:blip r:embed="rId3" cstate="print"/>
           <a:srcRect/>
           <a:stretch>
             <a:fillRect/>
@@ -18049,7 +18079,7 @@
         </p:blipFill>
         <p:spPr bwMode="auto">
           <a:xfrm>
-            <a:off x="2627313" y="1484313"/>
+            <a:off x="2339752" y="1484313"/>
             <a:ext cx="4329112" cy="5040312"/>
           </a:xfrm>
           <a:prstGeom prst="rect">
@@ -18142,7 +18172,7 @@
           <p:nvPr/>
         </p:nvPicPr>
         <p:blipFill>
-          <a:blip r:embed="rId2"/>
+          <a:blip r:embed="rId2" cstate="print"/>
           <a:srcRect/>
           <a:stretch>
             <a:fillRect/>
@@ -18174,7 +18204,7 @@
           <p:nvPr/>
         </p:nvPicPr>
         <p:blipFill>
-          <a:blip r:embed="rId3"/>
+          <a:blip r:embed="rId3" cstate="print"/>
           <a:srcRect/>
           <a:stretch>
             <a:fillRect/>
@@ -18275,7 +18305,7 @@
           <p:nvPr/>
         </p:nvPicPr>
         <p:blipFill>
-          <a:blip r:embed="rId2"/>
+          <a:blip r:embed="rId2" cstate="print"/>
           <a:srcRect/>
           <a:stretch>
             <a:fillRect/>
@@ -18307,7 +18337,7 @@
           <p:nvPr/>
         </p:nvPicPr>
         <p:blipFill>
-          <a:blip r:embed="rId3"/>
+          <a:blip r:embed="rId3" cstate="print"/>
           <a:srcRect/>
           <a:stretch>
             <a:fillRect/>
@@ -18403,7 +18433,7 @@
           <p:nvPr/>
         </p:nvPicPr>
         <p:blipFill>
-          <a:blip r:embed="rId2"/>
+          <a:blip r:embed="rId2" cstate="print"/>
           <a:srcRect/>
           <a:stretch>
             <a:fillRect/>
@@ -18436,7 +18466,7 @@
         </p:nvGraphicFramePr>
         <p:xfrm>
           <a:off x="250825" y="2368550"/>
-          <a:ext cx="8455025" cy="3656013"/>
+          <a:ext cx="8455025" cy="3656649"/>
         </p:xfrm>
         <a:graphic>
           <a:graphicData uri="http://schemas.openxmlformats.org/drawingml/2006/table">
@@ -22011,7 +22041,7 @@
           <p:nvPr/>
         </p:nvPicPr>
         <p:blipFill>
-          <a:blip r:embed="rId2"/>
+          <a:blip r:embed="rId2" cstate="print"/>
           <a:srcRect/>
           <a:stretch>
             <a:fillRect/>
@@ -22044,7 +22074,7 @@
         </p:nvGraphicFramePr>
         <p:xfrm>
           <a:off x="250825" y="2368550"/>
-          <a:ext cx="8455025" cy="3656013"/>
+          <a:ext cx="8455025" cy="3656649"/>
         </p:xfrm>
         <a:graphic>
           <a:graphicData uri="http://schemas.openxmlformats.org/drawingml/2006/table">
@@ -25649,7 +25679,7 @@
           <p:nvPr/>
         </p:nvPicPr>
         <p:blipFill>
-          <a:blip r:embed="rId2"/>
+          <a:blip r:embed="rId2" cstate="print"/>
           <a:srcRect/>
           <a:stretch>
             <a:fillRect/>
@@ -25750,7 +25780,7 @@
           <p:nvPr/>
         </p:nvPicPr>
         <p:blipFill>
-          <a:blip r:embed="rId2"/>
+          <a:blip r:embed="rId2" cstate="print"/>
           <a:srcRect/>
           <a:stretch>
             <a:fillRect/>
@@ -25782,7 +25812,7 @@
           <p:nvPr/>
         </p:nvPicPr>
         <p:blipFill>
-          <a:blip r:embed="rId3"/>
+          <a:blip r:embed="rId3" cstate="print"/>
           <a:srcRect t="3984"/>
           <a:stretch>
             <a:fillRect/>
@@ -25883,7 +25913,7 @@
           <p:nvPr/>
         </p:nvPicPr>
         <p:blipFill>
-          <a:blip r:embed="rId2"/>
+          <a:blip r:embed="rId2" cstate="print"/>
           <a:srcRect/>
           <a:stretch>
             <a:fillRect/>
@@ -26299,7 +26329,7 @@
           <p:nvPr/>
         </p:nvPicPr>
         <p:blipFill>
-          <a:blip r:embed="rId2"/>
+          <a:blip r:embed="rId2" cstate="print"/>
           <a:srcRect/>
           <a:stretch>
             <a:fillRect/>
@@ -26372,7 +26402,7 @@
           <p:nvPr/>
         </p:nvPicPr>
         <p:blipFill>
-          <a:blip r:embed="rId3"/>
+          <a:blip r:embed="rId3" cstate="print"/>
           <a:srcRect/>
           <a:stretch>
             <a:fillRect/>
@@ -26473,7 +26503,7 @@
           <p:nvPr/>
         </p:nvPicPr>
         <p:blipFill>
-          <a:blip r:embed="rId2"/>
+          <a:blip r:embed="rId2" cstate="print"/>
           <a:srcRect/>
           <a:stretch>
             <a:fillRect/>
@@ -26539,7 +26569,7 @@
           <p:nvPr/>
         </p:nvPicPr>
         <p:blipFill>
-          <a:blip r:embed="rId3"/>
+          <a:blip r:embed="rId3" cstate="print"/>
           <a:srcRect/>
           <a:stretch>
             <a:fillRect/>
@@ -26547,7 +26577,7 @@
         </p:blipFill>
         <p:spPr bwMode="auto">
           <a:xfrm>
-            <a:off x="3059113" y="2708275"/>
+            <a:off x="2699742" y="2708275"/>
             <a:ext cx="3600450" cy="2133600"/>
           </a:xfrm>
           <a:prstGeom prst="rect">
@@ -26642,7 +26672,7 @@
           <p:nvPr/>
         </p:nvPicPr>
         <p:blipFill>
-          <a:blip r:embed="rId2"/>
+          <a:blip r:embed="rId2" cstate="print"/>
           <a:srcRect/>
           <a:stretch>
             <a:fillRect/>
@@ -26674,7 +26704,7 @@
           <p:nvPr/>
         </p:nvPicPr>
         <p:blipFill>
-          <a:blip r:embed="rId3"/>
+          <a:blip r:embed="rId3" cstate="print"/>
           <a:srcRect/>
           <a:stretch>
             <a:fillRect/>
@@ -26706,7 +26736,7 @@
           <p:nvPr/>
         </p:nvPicPr>
         <p:blipFill>
-          <a:blip r:embed="rId4"/>
+          <a:blip r:embed="rId4" cstate="print"/>
           <a:srcRect/>
           <a:stretch>
             <a:fillRect/>
@@ -26802,7 +26832,7 @@
           <p:nvPr/>
         </p:nvPicPr>
         <p:blipFill>
-          <a:blip r:embed="rId2"/>
+          <a:blip r:embed="rId2" cstate="print"/>
           <a:srcRect/>
           <a:stretch>
             <a:fillRect/>
@@ -26834,7 +26864,7 @@
           <p:nvPr/>
         </p:nvPicPr>
         <p:blipFill>
-          <a:blip r:embed="rId3"/>
+          <a:blip r:embed="rId3" cstate="print"/>
           <a:srcRect/>
           <a:stretch>
             <a:fillRect/>
@@ -26935,7 +26965,7 @@
           <p:nvPr/>
         </p:nvPicPr>
         <p:blipFill>
-          <a:blip r:embed="rId2"/>
+          <a:blip r:embed="rId2" cstate="print"/>
           <a:srcRect/>
           <a:stretch>
             <a:fillRect/>
@@ -26968,7 +26998,7 @@
         </p:nvGraphicFramePr>
         <p:xfrm>
           <a:off x="250825" y="2171700"/>
-          <a:ext cx="8642350" cy="3743325"/>
+          <a:ext cx="8642350" cy="3743328"/>
         </p:xfrm>
         <a:graphic>
           <a:graphicData uri="http://schemas.openxmlformats.org/drawingml/2006/table">
@@ -27001,7 +27031,7 @@
                         <a:tabLst/>
                       </a:pPr>
                       <a:r>
-                        <a:rPr kumimoji="0" lang="es-ES" sz="1200" b="0" i="0" u="none" strike="noStrike" cap="none" normalizeH="0" baseline="0" smtClean="0">
+                        <a:rPr kumimoji="0" lang="es-ES" sz="1200" b="0" i="0" u="none" strike="noStrike" cap="none" normalizeH="0" baseline="0" dirty="0" smtClean="0">
                           <a:ln>
                             <a:noFill/>
                           </a:ln>
@@ -27664,7 +27694,7 @@
                     <a:bodyPr/>
                     <a:lstStyle/>
                     <a:p>
-                      <a:pPr marL="179388" marR="0" lvl="1" indent="0" algn="l" defTabSz="914400" rtl="0" eaLnBrk="1" fontAlgn="base" latinLnBrk="0" hangingPunct="1">
+                      <a:pPr marL="0" marR="0" lvl="1" indent="0" algn="l" defTabSz="914400" rtl="0" eaLnBrk="1" fontAlgn="base" latinLnBrk="0" hangingPunct="1">
                         <a:lnSpc>
                           <a:spcPct val="100000"/>
                         </a:lnSpc>
@@ -27681,7 +27711,7 @@
                         <a:tabLst/>
                       </a:pPr>
                       <a:r>
-                        <a:rPr kumimoji="0" lang="es-ES" sz="1200" b="0" i="0" u="none" strike="noStrike" cap="none" normalizeH="0" baseline="0" smtClean="0">
+                        <a:rPr kumimoji="0" lang="es-ES" sz="1200" b="0" i="0" u="none" strike="noStrike" cap="none" normalizeH="0" baseline="0" dirty="0" smtClean="0">
                           <a:ln>
                             <a:noFill/>
                           </a:ln>
@@ -28080,7 +28110,7 @@
           <p:nvPr/>
         </p:nvPicPr>
         <p:blipFill>
-          <a:blip r:embed="rId2"/>
+          <a:blip r:embed="rId2" cstate="print"/>
           <a:srcRect/>
           <a:stretch>
             <a:fillRect/>
@@ -28113,7 +28143,7 @@
         </p:nvGraphicFramePr>
         <p:xfrm>
           <a:off x="250825" y="2171700"/>
-          <a:ext cx="8642350" cy="3244850"/>
+          <a:ext cx="8642350" cy="3244852"/>
         </p:xfrm>
         <a:graphic>
           <a:graphicData uri="http://schemas.openxmlformats.org/drawingml/2006/table">
@@ -29079,7 +29109,7 @@
           <p:nvPr/>
         </p:nvPicPr>
         <p:blipFill>
-          <a:blip r:embed="rId2"/>
+          <a:blip r:embed="rId2" cstate="print"/>
           <a:srcRect/>
           <a:stretch>
             <a:fillRect/>
@@ -29112,7 +29142,7 @@
         </p:nvGraphicFramePr>
         <p:xfrm>
           <a:off x="250825" y="1773238"/>
-          <a:ext cx="8642350" cy="4438650"/>
+          <a:ext cx="8642350" cy="4326256"/>
         </p:xfrm>
         <a:graphic>
           <a:graphicData uri="http://schemas.openxmlformats.org/drawingml/2006/table">
@@ -29128,7 +29158,7 @@
                     <a:bodyPr/>
                     <a:lstStyle/>
                     <a:p>
-                      <a:pPr marL="381000" marR="0" lvl="1" indent="-381000" algn="l" defTabSz="914400" rtl="0" eaLnBrk="1" fontAlgn="base" latinLnBrk="0" hangingPunct="1">
+                      <a:pPr marL="0" marR="0" lvl="1" indent="0" algn="l" defTabSz="914400" rtl="0" eaLnBrk="1" fontAlgn="base" latinLnBrk="0" hangingPunct="1">
                         <a:lnSpc>
                           <a:spcPct val="100000"/>
                         </a:lnSpc>
@@ -29145,7 +29175,7 @@
                         <a:tabLst/>
                       </a:pPr>
                       <a:r>
-                        <a:rPr kumimoji="0" lang="es-ES" altLang="zh-CN" sz="1200" b="0" i="0" u="none" strike="noStrike" cap="none" normalizeH="0" baseline="0" smtClean="0">
+                        <a:rPr kumimoji="0" lang="es-ES" altLang="zh-CN" sz="1200" b="0" i="0" u="none" strike="noStrike" cap="none" normalizeH="0" baseline="0" dirty="0" smtClean="0">
                           <a:ln>
                             <a:noFill/>
                           </a:ln>
@@ -29159,7 +29189,7 @@
                         <a:t>RNF_004_Disponibilidad_del_sistema</a:t>
                       </a:r>
                       <a:br>
-                        <a:rPr kumimoji="0" lang="es-ES" altLang="zh-CN" sz="1200" b="0" i="0" u="none" strike="noStrike" cap="none" normalizeH="0" baseline="0" smtClean="0">
+                        <a:rPr kumimoji="0" lang="es-ES" altLang="zh-CN" sz="1200" b="0" i="0" u="none" strike="noStrike" cap="none" normalizeH="0" baseline="0" dirty="0" smtClean="0">
                           <a:ln>
                             <a:noFill/>
                           </a:ln>
@@ -29172,7 +29202,7 @@
                         </a:rPr>
                       </a:br>
                       <a:r>
-                        <a:rPr kumimoji="0" lang="es-ES" altLang="zh-CN" sz="1200" b="1" i="0" u="none" strike="noStrike" cap="none" normalizeH="0" baseline="0" smtClean="0">
+                        <a:rPr kumimoji="0" lang="es-ES" altLang="zh-CN" sz="1200" b="1" i="0" u="none" strike="noStrike" cap="none" normalizeH="0" baseline="0" dirty="0" smtClean="0">
                           <a:ln>
                             <a:noFill/>
                           </a:ln>
@@ -29203,7 +29233,7 @@
                         <a:buNone/>
                         <a:tabLst/>
                       </a:pPr>
-                      <a:endParaRPr kumimoji="0" lang="es-ES" sz="1200" b="1" i="0" u="none" strike="noStrike" cap="none" normalizeH="0" baseline="0" smtClean="0">
+                      <a:endParaRPr kumimoji="0" lang="es-ES" sz="1200" b="1" i="0" u="none" strike="noStrike" cap="none" normalizeH="0" baseline="0" dirty="0" smtClean="0">
                         <a:ln>
                           <a:noFill/>
                         </a:ln>
@@ -29361,7 +29391,7 @@
                     <a:bodyPr/>
                     <a:lstStyle/>
                     <a:p>
-                      <a:pPr marL="0" marR="0" lvl="0" indent="0" algn="ctr" defTabSz="914400" rtl="0" eaLnBrk="1" fontAlgn="base" latinLnBrk="0" hangingPunct="1">
+                      <a:pPr marL="0" marR="0" lvl="0" indent="0" algn="l" defTabSz="914400" rtl="0" eaLnBrk="1" fontAlgn="base" latinLnBrk="0" hangingPunct="1">
                         <a:lnSpc>
                           <a:spcPct val="100000"/>
                         </a:lnSpc>
@@ -29378,7 +29408,7 @@
                         <a:tabLst/>
                       </a:pPr>
                       <a:r>
-                        <a:rPr kumimoji="0" lang="es-ES" altLang="zh-CN" sz="1200" b="0" i="0" u="none" strike="noStrike" cap="none" normalizeH="0" baseline="0" smtClean="0">
+                        <a:rPr kumimoji="0" lang="es-ES" altLang="zh-CN" sz="1200" b="0" i="0" u="none" strike="noStrike" cap="none" normalizeH="0" baseline="0" dirty="0" smtClean="0">
                           <a:ln>
                             <a:noFill/>
                           </a:ln>
@@ -29392,7 +29422,7 @@
                         <a:t>RNF_007_Tiempo_de_respuesta_de_transacciones </a:t>
                       </a:r>
                       <a:br>
-                        <a:rPr kumimoji="0" lang="es-ES" altLang="zh-CN" sz="1200" b="0" i="0" u="none" strike="noStrike" cap="none" normalizeH="0" baseline="0" smtClean="0">
+                        <a:rPr kumimoji="0" lang="es-ES" altLang="zh-CN" sz="1200" b="0" i="0" u="none" strike="noStrike" cap="none" normalizeH="0" baseline="0" dirty="0" smtClean="0">
                           <a:ln>
                             <a:noFill/>
                           </a:ln>
@@ -29405,7 +29435,7 @@
                         </a:rPr>
                       </a:br>
                       <a:r>
-                        <a:rPr kumimoji="0" lang="es-ES" altLang="zh-CN" sz="1200" b="1" i="0" u="none" strike="noStrike" cap="none" normalizeH="0" baseline="0" smtClean="0">
+                        <a:rPr kumimoji="0" lang="es-ES" altLang="zh-CN" sz="1200" b="1" i="0" u="none" strike="noStrike" cap="none" normalizeH="0" baseline="0" dirty="0" smtClean="0">
                           <a:ln>
                             <a:noFill/>
                           </a:ln>
@@ -29418,7 +29448,7 @@
                         </a:rPr>
                         <a:t>(Rendimiento)</a:t>
                       </a:r>
-                      <a:endParaRPr kumimoji="0" lang="es-ES" sz="1200" b="1" i="0" u="none" strike="noStrike" cap="none" normalizeH="0" baseline="0" smtClean="0">
+                      <a:endParaRPr kumimoji="0" lang="es-ES" sz="1200" b="1" i="0" u="none" strike="noStrike" cap="none" normalizeH="0" baseline="0" dirty="0" smtClean="0">
                         <a:ln>
                           <a:noFill/>
                         </a:ln>
@@ -29584,7 +29614,7 @@
                     <a:bodyPr/>
                     <a:lstStyle/>
                     <a:p>
-                      <a:pPr marL="381000" marR="0" lvl="0" indent="-381000" algn="l" defTabSz="914400" rtl="0" eaLnBrk="1" fontAlgn="base" latinLnBrk="0" hangingPunct="1">
+                      <a:pPr marL="0" marR="0" lvl="0" indent="0" algn="l" defTabSz="914400" rtl="0" eaLnBrk="1" fontAlgn="base" latinLnBrk="0" hangingPunct="1">
                         <a:lnSpc>
                           <a:spcPct val="100000"/>
                         </a:lnSpc>
@@ -29601,7 +29631,7 @@
                         <a:tabLst/>
                       </a:pPr>
                       <a:r>
-                        <a:rPr kumimoji="0" lang="es-ES" altLang="zh-CN" sz="1200" b="0" i="0" u="none" strike="noStrike" cap="none" normalizeH="0" baseline="0" smtClean="0">
+                        <a:rPr kumimoji="0" lang="es-ES" altLang="zh-CN" sz="1200" b="0" i="0" u="none" strike="noStrike" cap="none" normalizeH="0" baseline="0" dirty="0" smtClean="0">
                           <a:ln>
                             <a:noFill/>
                           </a:ln>
@@ -29615,7 +29645,7 @@
                         <a:t>RNF_009_Concurrencia_de_aplicación</a:t>
                       </a:r>
                       <a:br>
-                        <a:rPr kumimoji="0" lang="es-ES" altLang="zh-CN" sz="1200" b="0" i="0" u="none" strike="noStrike" cap="none" normalizeH="0" baseline="0" smtClean="0">
+                        <a:rPr kumimoji="0" lang="es-ES" altLang="zh-CN" sz="1200" b="0" i="0" u="none" strike="noStrike" cap="none" normalizeH="0" baseline="0" dirty="0" smtClean="0">
                           <a:ln>
                             <a:noFill/>
                           </a:ln>
@@ -29628,7 +29658,7 @@
                         </a:rPr>
                       </a:br>
                       <a:r>
-                        <a:rPr kumimoji="0" lang="es-ES" altLang="zh-CN" sz="1200" b="1" i="0" u="none" strike="noStrike" cap="none" normalizeH="0" baseline="0" smtClean="0">
+                        <a:rPr kumimoji="0" lang="es-ES" altLang="zh-CN" sz="1200" b="1" i="0" u="none" strike="noStrike" cap="none" normalizeH="0" baseline="0" dirty="0" smtClean="0">
                           <a:ln>
                             <a:noFill/>
                           </a:ln>
@@ -29659,7 +29689,7 @@
                         <a:buNone/>
                         <a:tabLst/>
                       </a:pPr>
-                      <a:endParaRPr kumimoji="0" lang="es-ES" sz="1200" b="0" i="0" u="none" strike="noStrike" cap="none" normalizeH="0" baseline="0" smtClean="0">
+                      <a:endParaRPr kumimoji="0" lang="es-ES" sz="1200" b="0" i="0" u="none" strike="noStrike" cap="none" normalizeH="0" baseline="0" dirty="0" smtClean="0">
                         <a:ln>
                           <a:noFill/>
                         </a:ln>
@@ -29817,7 +29847,7 @@
                     <a:bodyPr/>
                     <a:lstStyle/>
                     <a:p>
-                      <a:pPr marL="381000" marR="0" lvl="0" indent="-381000" algn="l" defTabSz="914400" rtl="0" eaLnBrk="1" fontAlgn="base" latinLnBrk="0" hangingPunct="1">
+                      <a:pPr marL="0" marR="0" lvl="0" indent="0" algn="l" defTabSz="914400" rtl="0" eaLnBrk="1" fontAlgn="base" latinLnBrk="0" hangingPunct="1">
                         <a:lnSpc>
                           <a:spcPct val="100000"/>
                         </a:lnSpc>
@@ -29834,7 +29864,7 @@
                         <a:tabLst/>
                       </a:pPr>
                       <a:r>
-                        <a:rPr kumimoji="0" lang="es-ES" altLang="zh-CN" sz="1200" b="0" i="0" u="none" strike="noStrike" cap="none" normalizeH="0" baseline="0" smtClean="0">
+                        <a:rPr kumimoji="0" lang="es-ES" altLang="zh-CN" sz="1200" b="0" i="0" u="none" strike="noStrike" cap="none" normalizeH="0" baseline="0" dirty="0" smtClean="0">
                           <a:ln>
                             <a:noFill/>
                           </a:ln>
@@ -29848,7 +29878,7 @@
                         <a:t>RNF_011_Log_de_auditoría</a:t>
                       </a:r>
                       <a:br>
-                        <a:rPr kumimoji="0" lang="es-ES" altLang="zh-CN" sz="1200" b="0" i="0" u="none" strike="noStrike" cap="none" normalizeH="0" baseline="0" smtClean="0">
+                        <a:rPr kumimoji="0" lang="es-ES" altLang="zh-CN" sz="1200" b="0" i="0" u="none" strike="noStrike" cap="none" normalizeH="0" baseline="0" dirty="0" smtClean="0">
                           <a:ln>
                             <a:noFill/>
                           </a:ln>
@@ -29861,7 +29891,7 @@
                         </a:rPr>
                       </a:br>
                       <a:r>
-                        <a:rPr kumimoji="0" lang="es-ES" altLang="zh-CN" sz="1200" b="1" i="0" u="none" strike="noStrike" cap="none" normalizeH="0" baseline="0" smtClean="0">
+                        <a:rPr kumimoji="0" lang="es-ES" altLang="zh-CN" sz="1200" b="1" i="0" u="none" strike="noStrike" cap="none" normalizeH="0" baseline="0" dirty="0" smtClean="0">
                           <a:ln>
                             <a:noFill/>
                           </a:ln>
@@ -29892,7 +29922,7 @@
                         <a:buNone/>
                         <a:tabLst/>
                       </a:pPr>
-                      <a:endParaRPr kumimoji="0" lang="es-ES" sz="1200" b="1" i="0" u="none" strike="noStrike" cap="none" normalizeH="0" baseline="0" smtClean="0">
+                      <a:endParaRPr kumimoji="0" lang="es-ES" sz="1200" b="1" i="0" u="none" strike="noStrike" cap="none" normalizeH="0" baseline="0" dirty="0" smtClean="0">
                         <a:ln>
                           <a:noFill/>
                         </a:ln>
@@ -30058,7 +30088,7 @@
                     <a:bodyPr/>
                     <a:lstStyle/>
                     <a:p>
-                      <a:pPr marL="381000" marR="0" lvl="0" indent="-381000" algn="l" defTabSz="914400" rtl="0" eaLnBrk="0" fontAlgn="base" latinLnBrk="0" hangingPunct="0">
+                      <a:pPr marL="0" marR="0" lvl="0" indent="0" algn="l" defTabSz="914400" rtl="0" eaLnBrk="0" fontAlgn="base" latinLnBrk="0" hangingPunct="0">
                         <a:lnSpc>
                           <a:spcPct val="100000"/>
                         </a:lnSpc>
@@ -30077,7 +30107,7 @@
                         <a:tabLst/>
                       </a:pPr>
                       <a:r>
-                        <a:rPr kumimoji="0" lang="es-ES" altLang="zh-CN" sz="1200" b="0" i="0" u="none" strike="noStrike" cap="none" normalizeH="0" baseline="0" smtClean="0">
+                        <a:rPr kumimoji="0" lang="es-ES" altLang="zh-CN" sz="1200" b="0" i="0" u="none" strike="noStrike" cap="none" normalizeH="0" baseline="0" dirty="0" smtClean="0">
                           <a:ln>
                             <a:noFill/>
                           </a:ln>
@@ -30092,7 +30122,7 @@
                         <a:t>RNF_022_Motor_de_base_de_datos</a:t>
                       </a:r>
                       <a:br>
-                        <a:rPr kumimoji="0" lang="es-ES" altLang="zh-CN" sz="1200" b="0" i="0" u="none" strike="noStrike" cap="none" normalizeH="0" baseline="0" smtClean="0">
+                        <a:rPr kumimoji="0" lang="es-ES" altLang="zh-CN" sz="1200" b="0" i="0" u="none" strike="noStrike" cap="none" normalizeH="0" baseline="0" dirty="0" smtClean="0">
                           <a:ln>
                             <a:noFill/>
                           </a:ln>
@@ -30106,7 +30136,7 @@
                         </a:rPr>
                       </a:br>
                       <a:r>
-                        <a:rPr kumimoji="0" lang="es-ES" altLang="zh-CN" sz="1200" b="1" i="0" u="none" strike="noStrike" cap="none" normalizeH="0" baseline="0" smtClean="0">
+                        <a:rPr kumimoji="0" lang="es-ES" altLang="zh-CN" sz="1200" b="1" i="0" u="none" strike="noStrike" cap="none" normalizeH="0" baseline="0" dirty="0" smtClean="0">
                           <a:ln>
                             <a:noFill/>
                           </a:ln>
@@ -30120,7 +30150,7 @@
                         </a:rPr>
                         <a:t>(Restricciones de diseño)</a:t>
                       </a:r>
-                      <a:endParaRPr kumimoji="0" lang="es-ES" sz="1200" b="1" i="0" u="none" strike="noStrike" cap="none" normalizeH="0" baseline="0" smtClean="0">
+                      <a:endParaRPr kumimoji="0" lang="es-ES" sz="1200" b="1" i="0" u="none" strike="noStrike" cap="none" normalizeH="0" baseline="0" dirty="0" smtClean="0">
                         <a:ln>
                           <a:noFill/>
                         </a:ln>
@@ -30291,7 +30321,7 @@
                     <a:bodyPr/>
                     <a:lstStyle/>
                     <a:p>
-                      <a:pPr marL="381000" marR="0" lvl="0" indent="-381000" algn="l" defTabSz="914400" rtl="0" eaLnBrk="1" fontAlgn="base" latinLnBrk="0" hangingPunct="1">
+                      <a:pPr marL="0" marR="0" lvl="0" indent="0" algn="l" defTabSz="914400" rtl="0" eaLnBrk="1" fontAlgn="base" latinLnBrk="0" hangingPunct="1">
                         <a:lnSpc>
                           <a:spcPct val="100000"/>
                         </a:lnSpc>
@@ -30308,7 +30338,7 @@
                         <a:tabLst/>
                       </a:pPr>
                       <a:r>
-                        <a:rPr kumimoji="0" lang="es-ES" altLang="zh-CN" sz="1200" b="0" i="0" u="none" strike="noStrike" cap="none" normalizeH="0" baseline="0" smtClean="0">
+                        <a:rPr kumimoji="0" lang="es-ES" altLang="zh-CN" sz="1200" b="0" i="0" u="none" strike="noStrike" cap="none" normalizeH="0" baseline="0" dirty="0" smtClean="0">
                           <a:ln>
                             <a:noFill/>
                           </a:ln>
@@ -30322,7 +30352,7 @@
                         <a:t>RNF_028_Librerias_Java</a:t>
                       </a:r>
                       <a:br>
-                        <a:rPr kumimoji="0" lang="es-ES" altLang="zh-CN" sz="1200" b="0" i="0" u="none" strike="noStrike" cap="none" normalizeH="0" baseline="0" smtClean="0">
+                        <a:rPr kumimoji="0" lang="es-ES" altLang="zh-CN" sz="1200" b="0" i="0" u="none" strike="noStrike" cap="none" normalizeH="0" baseline="0" dirty="0" smtClean="0">
                           <a:ln>
                             <a:noFill/>
                           </a:ln>
@@ -30335,7 +30365,7 @@
                         </a:rPr>
                       </a:br>
                       <a:r>
-                        <a:rPr kumimoji="0" lang="es-ES" altLang="zh-CN" sz="1200" b="1" i="0" u="none" strike="noStrike" cap="none" normalizeH="0" baseline="0" smtClean="0">
+                        <a:rPr kumimoji="0" lang="es-ES" altLang="zh-CN" sz="1200" b="1" i="0" u="none" strike="noStrike" cap="none" normalizeH="0" baseline="0" dirty="0" smtClean="0">
                           <a:ln>
                             <a:noFill/>
                           </a:ln>
@@ -30348,7 +30378,7 @@
                         </a:rPr>
                         <a:t>(Componentes adquiridos)</a:t>
                       </a:r>
-                      <a:endParaRPr kumimoji="0" lang="es-ES" sz="1200" b="1" i="0" u="none" strike="noStrike" cap="none" normalizeH="0" baseline="0" smtClean="0">
+                      <a:endParaRPr kumimoji="0" lang="es-ES" sz="1200" b="1" i="0" u="none" strike="noStrike" cap="none" normalizeH="0" baseline="0" dirty="0" smtClean="0">
                         <a:ln>
                           <a:noFill/>
                         </a:ln>
